--- a/Market Supply Analysis PPT.pptx
+++ b/Market Supply Analysis PPT.pptx
@@ -244,7 +244,7 @@
           <a:p>
             <a:fld id="{705E03B7-B591-4A2A-B695-014C5A39F13E}" type="datetimeFigureOut">
               <a:rPr lang="en-US"/>
-              <a:t>1/6/2024</a:t>
+              <a:t>1/18/2024</a:t>
             </a:fld>
             <a:endParaRPr/>
           </a:p>
@@ -409,7 +409,7 @@
           <a:p>
             <a:fld id="{67DFBD7B-E4FB-4AA8-9540-FD148073ACB3}" type="datetimeFigureOut">
               <a:rPr lang="en-US"/>
-              <a:t>1/6/2024</a:t>
+              <a:t>1/18/2024</a:t>
             </a:fld>
             <a:endParaRPr/>
           </a:p>
@@ -1060,7 +1060,7 @@
           <a:p>
             <a:fld id="{A7209051-6E81-43E8-9099-FF6A0C3DCFE8}" type="datetime1">
               <a:rPr lang="en-US"/>
-              <a:t>1/6/2024</a:t>
+              <a:t>1/18/2024</a:t>
             </a:fld>
             <a:endParaRPr/>
           </a:p>
@@ -1261,7 +1261,7 @@
           <a:p>
             <a:fld id="{EDCEAB04-7709-4C1E-A61A-74684A0170FC}" type="datetime1">
               <a:rPr lang="en-US"/>
-              <a:t>1/6/2024</a:t>
+              <a:t>1/18/2024</a:t>
             </a:fld>
             <a:endParaRPr/>
           </a:p>
@@ -1811,7 +1811,7 @@
           <a:p>
             <a:fld id="{0C79BD0D-E0B1-4CED-AC65-708AC79EB9CD}" type="datetime1">
               <a:rPr lang="en-US"/>
-              <a:t>1/6/2024</a:t>
+              <a:t>1/18/2024</a:t>
             </a:fld>
             <a:endParaRPr/>
           </a:p>
@@ -2012,7 +2012,7 @@
           <a:p>
             <a:fld id="{0CC3EA6D-DF0B-4D4B-B359-5F1D1D0E30A4}" type="datetime1">
               <a:rPr lang="en-US"/>
-              <a:t>1/6/2024</a:t>
+              <a:t>1/18/2024</a:t>
             </a:fld>
             <a:endParaRPr/>
           </a:p>
@@ -2616,7 +2616,7 @@
           <a:p>
             <a:fld id="{977EDB99-15BC-4479-BAC5-1E502E66917A}" type="datetime1">
               <a:rPr lang="en-US"/>
-              <a:t>1/6/2024</a:t>
+              <a:t>1/18/2024</a:t>
             </a:fld>
             <a:endParaRPr/>
           </a:p>
@@ -2928,7 +2928,7 @@
           <a:p>
             <a:fld id="{4067C2A3-CD19-48AB-9F64-ECCF75182EDD}" type="datetime1">
               <a:rPr lang="en-US"/>
-              <a:t>1/6/2024</a:t>
+              <a:t>1/18/2024</a:t>
             </a:fld>
             <a:endParaRPr/>
           </a:p>
@@ -3390,7 +3390,7 @@
           <a:p>
             <a:fld id="{0363E8C1-7C87-4705-AB97-8CD17D208E3F}" type="datetime1">
               <a:rPr lang="en-US"/>
-              <a:t>1/6/2024</a:t>
+              <a:t>1/18/2024</a:t>
             </a:fld>
             <a:endParaRPr/>
           </a:p>
@@ -3523,7 +3523,7 @@
           <a:p>
             <a:fld id="{E20C624E-DF92-4841-B9B9-DD11AA239B85}" type="datetime1">
               <a:rPr lang="en-US"/>
-              <a:t>1/6/2024</a:t>
+              <a:t>1/18/2024</a:t>
             </a:fld>
             <a:endParaRPr/>
           </a:p>
@@ -3816,7 +3816,7 @@
           <a:p>
             <a:fld id="{FBDA3AE1-4360-4D5B-BDBC-656B872DD533}" type="datetime1">
               <a:rPr lang="en-US"/>
-              <a:t>1/6/2024</a:t>
+              <a:t>1/18/2024</a:t>
             </a:fld>
             <a:endParaRPr/>
           </a:p>
@@ -4115,7 +4115,7 @@
           <a:p>
             <a:fld id="{20990708-46A4-4851-883E-8DFB8939107E}" type="datetime1">
               <a:rPr lang="en-US"/>
-              <a:t>1/6/2024</a:t>
+              <a:t>1/18/2024</a:t>
             </a:fld>
             <a:endParaRPr/>
           </a:p>
@@ -4399,7 +4399,7 @@
           <a:p>
             <a:fld id="{AE88EFFC-86AE-4294-A319-CAFC2651994B}" type="datetime1">
               <a:rPr lang="en-US"/>
-              <a:t>1/6/2024</a:t>
+              <a:t>1/18/2024</a:t>
             </a:fld>
             <a:endParaRPr/>
           </a:p>
@@ -4981,7 +4981,7 @@
             <a:fld id="{D29E8617-6EA8-4B97-A5E8-E18E98765EE2}" type="datetime1">
               <a:rPr lang="en-US"/>
               <a:pPr/>
-              <a:t>1/6/2024</a:t>
+              <a:t>1/18/2024</a:t>
             </a:fld>
             <a:endParaRPr dirty="0"/>
           </a:p>
@@ -5421,19 +5421,23 @@
             <p:ph type="ctrTitle"/>
           </p:nvPr>
         </p:nvSpPr>
-        <p:spPr/>
+        <p:spPr>
+          <a:xfrm>
+            <a:off x="1828324" y="362396"/>
+            <a:ext cx="9141619" cy="2274516"/>
+          </a:xfrm>
+        </p:spPr>
         <p:txBody>
           <a:bodyPr/>
           <a:lstStyle/>
           <a:p>
             <a:r>
               <a:rPr lang="en-US" dirty="0"/>
-              <a:t>Market Supply </a:t>
-            </a:r>
-            <a:r>
-              <a:rPr lang="en-US" dirty="0" err="1"/>
-              <a:t>Analysi</a:t>
-            </a:r>
+              <a:t>PREDICTING VEGETABLE SALES TREND</a:t>
+            </a:r>
+            <a:br>
+              <a:rPr lang="en-US" dirty="0"/>
+            </a:br>
             <a:endParaRPr lang="en-US" dirty="0"/>
           </a:p>
         </p:txBody>
@@ -5453,10 +5457,9 @@
           <a:bodyPr/>
           <a:lstStyle/>
           <a:p>
-            <a:r>
-              <a:rPr lang="en-US" dirty="0"/>
-              <a:t>Understanding Vegetable Price Trends and Supplier Sales</a:t>
-            </a:r>
+            <a:endParaRPr lang="en-US" dirty="0"/>
+          </a:p>
+          <a:p>
             <a:endParaRPr lang="en-US" dirty="0"/>
           </a:p>
         </p:txBody>
@@ -5522,7 +5525,6 @@
               <a:rPr lang="en-US" dirty="0"/>
               <a:t>Price Analysis of Different Vegetables Across Seasons</a:t>
             </a:r>
-            <a:endParaRPr lang="en-US" dirty="0"/>
           </a:p>
         </p:txBody>
       </p:sp>
@@ -5621,7 +5623,6 @@
               <a:rPr lang="en-US" dirty="0"/>
               <a:t>Supplier Sales Insights</a:t>
             </a:r>
-            <a:endParaRPr lang="en-US" dirty="0"/>
           </a:p>
         </p:txBody>
       </p:sp>
@@ -5765,7 +5766,6 @@
               <a:rPr lang="en-US" dirty="0"/>
               <a:t>Sales Analysis</a:t>
             </a:r>
-            <a:endParaRPr lang="en-US" dirty="0"/>
           </a:p>
         </p:txBody>
       </p:sp>
@@ -5890,7 +5890,6 @@
               <a:rPr lang="en-US" dirty="0"/>
               <a:t>Supplier Sales Comparison</a:t>
             </a:r>
-            <a:endParaRPr lang="en-US" dirty="0"/>
           </a:p>
         </p:txBody>
       </p:sp>
@@ -5981,7 +5980,7 @@
           <a:bodyPr/>
           <a:lstStyle/>
           <a:p>
-            <a:endParaRPr lang=""/>
+            <a:endParaRPr lang="" dirty="0"/>
           </a:p>
         </p:txBody>
       </p:sp>
@@ -6025,7 +6024,7 @@
           <a:bodyPr/>
           <a:lstStyle/>
           <a:p>
-            <a:endParaRPr lang=""/>
+            <a:endParaRPr lang="" dirty="0"/>
           </a:p>
         </p:txBody>
       </p:sp>
@@ -6750,6 +6749,15 @@
 </file>
 
 <file path=customXml/item1.xml><?xml version="1.0" encoding="utf-8"?>
+<?mso-contentType ?>
+<FormTemplates xmlns="http://schemas.microsoft.com/sharepoint/v3/contenttype/forms">
+  <Display>DocumentLibraryForm</Display>
+  <Edit>DocumentLibraryForm</Edit>
+  <New>DocumentLibraryForm</New>
+</FormTemplates>
+</file>
+
+<file path=customXml/item2.xml><?xml version="1.0" encoding="utf-8"?>
 <ct:contentTypeSchema xmlns:ct="http://schemas.microsoft.com/office/2006/metadata/contentType" xmlns:ma="http://schemas.microsoft.com/office/2006/metadata/properties/metaAttributes" ct:_="" ma:_="" ma:contentTypeName="Document" ma:contentTypeID="0x010100AA3F7D94069FF64A86F7DFF56D60E3BE" ma:contentTypeVersion="6" ma:contentTypeDescription="Create a new document." ma:contentTypeScope="" ma:versionID="c32302c77d4085ecf495bdddb7f5e889">
   <xsd:schema xmlns:xsd="http://www.w3.org/2001/XMLSchema" xmlns:xs="http://www.w3.org/2001/XMLSchema" xmlns:p="http://schemas.microsoft.com/office/2006/metadata/properties" xmlns:ns2="a4f35948-e619-41b3-aa29-22878b09cfd2" xmlns:ns3="40262f94-9f35-4ac3-9a90-690165a166b7" targetNamespace="http://schemas.microsoft.com/office/2006/metadata/properties" ma:root="true" ma:fieldsID="4ab5ae46be95f9d0be6107e8200be7a2" ns2:_="" ns3:_="">
     <xsd:import namespace="a4f35948-e619-41b3-aa29-22878b09cfd2"/>
@@ -6930,15 +6938,6 @@
 </ct:contentTypeSchema>
 </file>
 
-<file path=customXml/item2.xml><?xml version="1.0" encoding="utf-8"?>
-<?mso-contentType ?>
-<FormTemplates xmlns="http://schemas.microsoft.com/sharepoint/v3/contenttype/forms">
-  <Display>DocumentLibraryForm</Display>
-  <Edit>DocumentLibraryForm</Edit>
-  <New>DocumentLibraryForm</New>
-</FormTemplates>
-</file>
-
 <file path=customXml/item3.xml><?xml version="1.0" encoding="utf-8"?>
 <p:properties xmlns:p="http://schemas.microsoft.com/office/2006/metadata/properties" xmlns:xsi="http://www.w3.org/2001/XMLSchema-instance" xmlns:pc="http://schemas.microsoft.com/office/infopath/2007/PartnerControls">
   <documentManagement>
@@ -6951,6 +6950,14 @@
 </file>
 
 <file path=customXml/itemProps1.xml><?xml version="1.0" encoding="utf-8"?>
+<ds:datastoreItem xmlns:ds="http://schemas.openxmlformats.org/officeDocument/2006/customXml" ds:itemID="{308942AA-0721-4324-BC2C-A3CB43F24E71}">
+  <ds:schemaRefs>
+    <ds:schemaRef ds:uri="http://schemas.microsoft.com/sharepoint/v3/contenttype/forms"/>
+  </ds:schemaRefs>
+</ds:datastoreItem>
+</file>
+
+<file path=customXml/itemProps2.xml><?xml version="1.0" encoding="utf-8"?>
 <ds:datastoreItem xmlns:ds="http://schemas.openxmlformats.org/officeDocument/2006/customXml" ds:itemID="{FB14945D-DABB-422F-9B28-D299995C9226}">
   <ds:schemaRefs>
     <ds:schemaRef ds:uri="http://schemas.microsoft.com/office/2006/metadata/contentType"/>
@@ -6965,14 +6972,6 @@
     <ds:schemaRef ds:uri="http://purl.org/dc/elements/1.1/"/>
     <ds:schemaRef ds:uri="http://purl.org/dc/terms/"/>
     <ds:schemaRef ds:uri="http://schemas.microsoft.com/internal/obd"/>
-  </ds:schemaRefs>
-</ds:datastoreItem>
-</file>
-
-<file path=customXml/itemProps2.xml><?xml version="1.0" encoding="utf-8"?>
-<ds:datastoreItem xmlns:ds="http://schemas.openxmlformats.org/officeDocument/2006/customXml" ds:itemID="{308942AA-0721-4324-BC2C-A3CB43F24E71}">
-  <ds:schemaRefs>
-    <ds:schemaRef ds:uri="http://schemas.microsoft.com/sharepoint/v3/contenttype/forms"/>
   </ds:schemaRefs>
 </ds:datastoreItem>
 </file>
